--- a/MOD03-Algoritmos y Diagramas/01 Presentacion/MOD3-Algoritmos_y_Diagramas.pptx
+++ b/MOD03-Algoritmos y Diagramas/01 Presentacion/MOD3-Algoritmos_y_Diagramas.pptx
@@ -53,7 +53,7 @@
   <p:notesSz cx="6858000" cy="9144000"/>
   <p:embeddedFontLst>
     <p:embeddedFont>
-      <p:font typeface="Ubuntu" panose="020B0604020202020204" charset="0"/>
+      <p:font typeface="Ubuntu" panose="020B0504030602030204" pitchFamily="34" charset="0"/>
       <p:regular r:id="rId45"/>
       <p:bold r:id="rId46"/>
       <p:italic r:id="rId47"/>
@@ -391,7 +391,7 @@
             <a:fld id="{A8CFC892-7674-4263-9B21-5444F469832B}" type="datetimeFigureOut">
               <a:rPr lang="en-US" smtClean="0"/>
               <a:pPr/>
-              <a:t>9/8/2021</a:t>
+              <a:t>9/5/2022</a:t>
             </a:fld>
             <a:endParaRPr lang="en-US"/>
           </a:p>
@@ -958,7 +958,7 @@
           <a:p>
             <a:fld id="{A8CFC892-7674-4263-9B21-5444F469832B}" type="datetimeFigureOut">
               <a:rPr lang="en-US" smtClean="0"/>
-              <a:t>9/8/2021</a:t>
+              <a:t>9/5/2022</a:t>
             </a:fld>
             <a:endParaRPr lang="en-US"/>
           </a:p>
@@ -1425,7 +1425,7 @@
             <a:fld id="{A8CFC892-7674-4263-9B21-5444F469832B}" type="datetimeFigureOut">
               <a:rPr lang="en-US" smtClean="0"/>
               <a:pPr/>
-              <a:t>9/8/2021</a:t>
+              <a:t>9/5/2022</a:t>
             </a:fld>
             <a:endParaRPr lang="en-US"/>
           </a:p>
@@ -11616,7 +11616,7 @@
                   <a:schemeClr val="accent2"/>
                 </a:solidFill>
               </a:rPr>
-              <a:t> = 600</a:t>
+              <a:t> = 6000</a:t>
             </a:r>
           </a:p>
         </p:txBody>
@@ -11696,13 +11696,18 @@
               <a:t>aparece</a:t>
             </a:r>
             <a:r>
-              <a:rPr lang="en-US" b="1" dirty="0">
+              <a:rPr lang="en-US" b="1">
                 <a:solidFill>
                   <a:schemeClr val="accent2"/>
                 </a:solidFill>
               </a:rPr>
-              <a:t> 600</a:t>
-            </a:r>
+              <a:t> 6000</a:t>
+            </a:r>
+            <a:endParaRPr lang="en-US" b="1" dirty="0">
+              <a:solidFill>
+                <a:schemeClr val="accent2"/>
+              </a:solidFill>
+            </a:endParaRPr>
           </a:p>
         </p:txBody>
       </p:sp>
